--- a/slides/Building a Static Site Using .NET and Azure.pptx
+++ b/slides/Building a Static Site Using .NET and Azure.pptx
@@ -288,7 +288,7 @@
           <a:p>
             <a:fld id="{7CCA049B-3A46-4BDA-A8F5-2925B00FE570}" type="datetimeFigureOut">
               <a:rPr lang="en-US" smtClean="0"/>
-              <a:t>4/24/2020</a:t>
+              <a:t>4/25/2020</a:t>
             </a:fld>
             <a:endParaRPr lang="en-US" dirty="0"/>
           </a:p>
@@ -453,7 +453,7 @@
           <a:p>
             <a:fld id="{44C46CEC-428A-4DD0-A7C7-21AF8DE33E93}" type="datetimeFigureOut">
               <a:rPr lang="en-US" smtClean="0"/>
-              <a:t>4/24/2020</a:t>
+              <a:t>4/25/2020</a:t>
             </a:fld>
             <a:endParaRPr lang="en-US" dirty="0"/>
           </a:p>
@@ -6885,6 +6885,17 @@
             </a:r>
           </a:p>
           <a:p>
+            <a:r>
+              <a:rPr lang="en-US" dirty="0"/>
+              <a:t>Use Azure DevOps to automate </a:t>
+            </a:r>
+            <a:r>
+              <a:rPr lang="en-US"/>
+              <a:t>build process</a:t>
+            </a:r>
+            <a:endParaRPr lang="en-US" dirty="0"/>
+          </a:p>
+          <a:p>
             <a:endParaRPr lang="en-US" dirty="0"/>
           </a:p>
         </p:txBody>
